--- a/NEO4J_TUTORIAL_104_SLIDE.pptx
+++ b/NEO4J_TUTORIAL_104_SLIDE.pptx
@@ -108,6 +108,11 @@
       </a:defRPr>
     </a:lvl9pPr>
   </p:defaultTextStyle>
+  <p:extLst>
+    <p:ext uri="{EFAFB233-063F-42B5-8137-9DF3F51BA10A}">
+      <p15:sldGuideLst xmlns:p15="http://schemas.microsoft.com/office/powerpoint/2012/main"/>
+    </p:ext>
+  </p:extLst>
 </p:presentation>
 </file>
 
@@ -254,7 +259,7 @@
           <a:p>
             <a:fld id="{2395C5C9-164C-46B3-A87E-7660D39D3106}" type="datetime2">
               <a:rPr lang="en-US" smtClean="0"/>
-              <a:t>Sunday, June 27, 2021</a:t>
+              <a:t>Wednesday, June 30, 2021</a:t>
             </a:fld>
             <a:endParaRPr lang="en-US" dirty="0"/>
           </a:p>
@@ -457,7 +462,7 @@
           <a:p>
             <a:fld id="{5B75179A-1E2B-41AB-B400-4F1B4022FAEE}" type="datetime2">
               <a:rPr lang="en-US" smtClean="0"/>
-              <a:t>Sunday, June 27, 2021</a:t>
+              <a:t>Wednesday, June 30, 2021</a:t>
             </a:fld>
             <a:endParaRPr lang="en-US"/>
           </a:p>
@@ -670,7 +675,7 @@
           <a:p>
             <a:fld id="{05681D0F-6595-4F14-8EF3-954CD87C797B}" type="datetime2">
               <a:rPr lang="en-US" smtClean="0"/>
-              <a:t>Sunday, June 27, 2021</a:t>
+              <a:t>Wednesday, June 30, 2021</a:t>
             </a:fld>
             <a:endParaRPr lang="en-US"/>
           </a:p>
@@ -872,7 +877,7 @@
           <a:p>
             <a:fld id="{4DDCFF8A-AAF8-4A12-8A91-9CA0EAF6CBB9}" type="datetime2">
               <a:rPr lang="en-US" smtClean="0"/>
-              <a:t>Sunday, June 27, 2021</a:t>
+              <a:t>Wednesday, June 30, 2021</a:t>
             </a:fld>
             <a:endParaRPr lang="en-US" dirty="0"/>
           </a:p>
@@ -1151,7 +1156,7 @@
           <a:p>
             <a:fld id="{ABCC25C3-021A-4B0B-8F70-0C181FE1CF45}" type="datetime2">
               <a:rPr lang="en-US" smtClean="0"/>
-              <a:t>Sunday, June 27, 2021</a:t>
+              <a:t>Wednesday, June 30, 2021</a:t>
             </a:fld>
             <a:endParaRPr lang="en-US"/>
           </a:p>
@@ -1411,7 +1416,7 @@
           <a:p>
             <a:fld id="{0C23D88D-8CEC-4ED9-A53B-5596187D9A16}" type="datetime2">
               <a:rPr lang="en-US" smtClean="0"/>
-              <a:t>Sunday, June 27, 2021</a:t>
+              <a:t>Wednesday, June 30, 2021</a:t>
             </a:fld>
             <a:endParaRPr lang="en-US"/>
           </a:p>
@@ -1827,7 +1832,7 @@
           <a:p>
             <a:fld id="{D2CCD382-DFDA-4722-A27A-59C21AD112F2}" type="datetime2">
               <a:rPr lang="en-US" smtClean="0"/>
-              <a:t>Sunday, June 27, 2021</a:t>
+              <a:t>Wednesday, June 30, 2021</a:t>
             </a:fld>
             <a:endParaRPr lang="en-US"/>
           </a:p>
@@ -1972,7 +1977,7 @@
           <a:p>
             <a:fld id="{22F2A30D-1C09-413F-AAB1-38F366000715}" type="datetime2">
               <a:rPr lang="en-US" smtClean="0"/>
-              <a:t>Sunday, June 27, 2021</a:t>
+              <a:t>Wednesday, June 30, 2021</a:t>
             </a:fld>
             <a:endParaRPr lang="en-US"/>
           </a:p>
@@ -2094,7 +2099,7 @@
           <a:p>
             <a:fld id="{6DB82B9C-D65E-4F64-95C3-B10F3B00F0D9}" type="datetime2">
               <a:rPr lang="en-US" smtClean="0"/>
-              <a:t>Sunday, June 27, 2021</a:t>
+              <a:t>Wednesday, June 30, 2021</a:t>
             </a:fld>
             <a:endParaRPr lang="en-US"/>
           </a:p>
@@ -2417,7 +2422,7 @@
           <a:p>
             <a:fld id="{B7F5FDCC-6AAC-4A08-B9E0-3793AB5E64C3}" type="datetime2">
               <a:rPr lang="en-US" smtClean="0"/>
-              <a:t>Sunday, June 27, 2021</a:t>
+              <a:t>Wednesday, June 30, 2021</a:t>
             </a:fld>
             <a:endParaRPr lang="en-US"/>
           </a:p>
@@ -2705,7 +2710,7 @@
           <a:p>
             <a:fld id="{349FE94D-439C-40F1-900E-BC07940E3988}" type="datetime2">
               <a:rPr lang="en-US" smtClean="0"/>
-              <a:t>Sunday, June 27, 2021</a:t>
+              <a:t>Wednesday, June 30, 2021</a:t>
             </a:fld>
             <a:endParaRPr lang="en-US"/>
           </a:p>
@@ -2993,7 +2998,7 @@
           <a:p>
             <a:fld id="{8DEA2CF1-0EB2-4673-802D-3371233E4A77}" type="datetime2">
               <a:rPr lang="en-US" smtClean="0"/>
-              <a:t>Sunday, June 27, 2021</a:t>
+              <a:t>Wednesday, June 30, 2021</a:t>
             </a:fld>
             <a:endParaRPr lang="en-US" dirty="0"/>
           </a:p>
@@ -4596,6 +4601,22 @@
             </a:r>
             <a:endParaRPr lang="en-US" dirty="0"/>
           </a:p>
+          <a:p>
+            <a:r>
+              <a:rPr lang="en-US" dirty="0" err="1"/>
+              <a:t>apoc.import.file.enabled</a:t>
+            </a:r>
+            <a:r>
+              <a:rPr lang="en-US" dirty="0"/>
+              <a:t>=true</a:t>
+            </a:r>
+          </a:p>
+          <a:p>
+            <a:r>
+              <a:rPr lang="en-US" dirty="0"/>
+              <a:t>apoc.import.file.use_neo4j_config=false</a:t>
+            </a:r>
+          </a:p>
         </p:txBody>
       </p:sp>
     </p:spTree>
@@ -4780,7 +4801,9 @@
         </p:nvSpPr>
         <p:spPr/>
         <p:txBody>
-          <a:bodyPr/>
+          <a:bodyPr>
+            <a:normAutofit fontScale="70000" lnSpcReduction="20000"/>
+          </a:bodyPr>
           <a:lstStyle/>
           <a:p>
             <a:r>
@@ -4793,6 +4816,119 @@
             </a:r>
           </a:p>
           <a:p>
+            <a:r>
+              <a:rPr lang="en-GB" dirty="0"/>
+              <a:t>from neo4j import </a:t>
+            </a:r>
+            <a:r>
+              <a:rPr lang="en-GB" dirty="0" err="1"/>
+              <a:t>GraphDatabase</a:t>
+            </a:r>
+            <a:br>
+              <a:rPr lang="en-GB" dirty="0"/>
+            </a:br>
+            <a:r>
+              <a:rPr lang="en-GB" dirty="0"/>
+              <a:t>import dash</a:t>
+            </a:r>
+            <a:br>
+              <a:rPr lang="en-GB" dirty="0"/>
+            </a:br>
+            <a:r>
+              <a:rPr lang="en-GB" dirty="0"/>
+              <a:t>import </a:t>
+            </a:r>
+            <a:r>
+              <a:rPr lang="en-GB" dirty="0" err="1"/>
+              <a:t>dash_core_components</a:t>
+            </a:r>
+            <a:r>
+              <a:rPr lang="en-GB" dirty="0"/>
+              <a:t> as dcc</a:t>
+            </a:r>
+            <a:br>
+              <a:rPr lang="en-GB" dirty="0"/>
+            </a:br>
+            <a:r>
+              <a:rPr lang="en-GB" dirty="0"/>
+              <a:t>import </a:t>
+            </a:r>
+            <a:r>
+              <a:rPr lang="en-GB" dirty="0" err="1"/>
+              <a:t>dash_html_components</a:t>
+            </a:r>
+            <a:r>
+              <a:rPr lang="en-GB" dirty="0"/>
+              <a:t> as html</a:t>
+            </a:r>
+            <a:br>
+              <a:rPr lang="en-GB" dirty="0"/>
+            </a:br>
+            <a:r>
+              <a:rPr lang="en-GB" dirty="0"/>
+              <a:t>import </a:t>
+            </a:r>
+            <a:r>
+              <a:rPr lang="en-GB" dirty="0" err="1"/>
+              <a:t>plotly.express</a:t>
+            </a:r>
+            <a:r>
+              <a:rPr lang="en-GB" dirty="0"/>
+              <a:t> as px</a:t>
+            </a:r>
+            <a:br>
+              <a:rPr lang="en-GB" dirty="0"/>
+            </a:br>
+            <a:r>
+              <a:rPr lang="en-GB" dirty="0"/>
+              <a:t>import pandas as pd</a:t>
+            </a:r>
+            <a:br>
+              <a:rPr lang="en-GB" dirty="0"/>
+            </a:br>
+            <a:r>
+              <a:rPr lang="en-GB" dirty="0"/>
+              <a:t>import </a:t>
+            </a:r>
+            <a:r>
+              <a:rPr lang="en-GB" dirty="0" err="1"/>
+              <a:t>dash_table</a:t>
+            </a:r>
+            <a:br>
+              <a:rPr lang="en-GB" dirty="0"/>
+            </a:br>
+            <a:r>
+              <a:rPr lang="en-GB" dirty="0"/>
+              <a:t>import datetime</a:t>
+            </a:r>
+            <a:br>
+              <a:rPr lang="en-GB" dirty="0"/>
+            </a:br>
+            <a:r>
+              <a:rPr lang="en-GB" dirty="0"/>
+              <a:t>import json</a:t>
+            </a:r>
+            <a:br>
+              <a:rPr lang="en-GB" dirty="0"/>
+            </a:br>
+            <a:r>
+              <a:rPr lang="en-GB" dirty="0"/>
+              <a:t>from </a:t>
+            </a:r>
+            <a:r>
+              <a:rPr lang="en-GB" dirty="0" err="1"/>
+              <a:t>dash.dependencies</a:t>
+            </a:r>
+            <a:r>
+              <a:rPr lang="en-GB" dirty="0"/>
+              <a:t> import Input, Output</a:t>
+            </a:r>
+            <a:br>
+              <a:rPr lang="en-GB" dirty="0"/>
+            </a:br>
+            <a:br>
+              <a:rPr lang="en-GB" dirty="0"/>
+            </a:br>
             <a:endParaRPr lang="en-US" dirty="0"/>
           </a:p>
         </p:txBody>
